--- a/Documentação/Documentação_Teorica/LLD.pptx
+++ b/Documentação/Documentação_Teorica/LLD.pptx
@@ -104,6 +104,11 @@
       </a:defRPr>
     </a:lvl9pPr>
   </p:defaultTextStyle>
+  <p:extLst>
+    <p:ext uri="{EFAFB233-063F-42B5-8137-9DF3F51BA10A}">
+      <p15:sldGuideLst xmlns:p15="http://schemas.microsoft.com/office/powerpoint/2012/main"/>
+    </p:ext>
+  </p:extLst>
 </p:presentation>
 </file>
 
@@ -2964,6 +2969,29 @@
           <a:chExt cx="0" cy="0"/>
         </a:xfrm>
       </p:grpSpPr>
+      <p:pic>
+        <p:nvPicPr>
+          <p:cNvPr id="7" name="Imagem 6"/>
+          <p:cNvPicPr>
+            <a:picLocks noChangeAspect="1"/>
+          </p:cNvPicPr>
+          <p:nvPr/>
+        </p:nvPicPr>
+        <p:blipFill rotWithShape="1">
+          <a:blip r:embed="rId2"/>
+          <a:srcRect l="9840" t="12062" r="814" b="12217"/>
+          <a:stretch/>
+        </p:blipFill>
+        <p:spPr>
+          <a:xfrm>
+            <a:off x="3560077" y="197758"/>
+            <a:ext cx="5225143" cy="2952207"/>
+          </a:xfrm>
+          <a:prstGeom prst="rect">
+            <a:avLst/>
+          </a:prstGeom>
+        </p:spPr>
+      </p:pic>
       <p:grpSp>
         <p:nvGrpSpPr>
           <p:cNvPr id="13" name="Agrupar 12"/>
@@ -2987,7 +3015,7 @@
             <p:nvPr/>
           </p:nvPicPr>
           <p:blipFill>
-            <a:blip r:embed="rId2" cstate="print">
+            <a:blip r:embed="rId3" cstate="print">
               <a:extLst>
                 <a:ext uri="{28A0092B-C50C-407E-A947-70E740481C1C}">
                   <a14:useLocalDpi xmlns:a14="http://schemas.microsoft.com/office/drawing/2010/main" val="0"/>
@@ -3028,7 +3056,7 @@
             <p:nvPr/>
           </p:nvPicPr>
           <p:blipFill>
-            <a:blip r:embed="rId3" cstate="print">
+            <a:blip r:embed="rId4" cstate="print">
               <a:extLst>
                 <a:ext uri="{28A0092B-C50C-407E-A947-70E740481C1C}">
                   <a14:useLocalDpi xmlns:a14="http://schemas.microsoft.com/office/drawing/2010/main" val="0"/>
@@ -3070,11 +3098,11 @@
           <p:nvPr/>
         </p:nvPicPr>
         <p:blipFill>
-          <a:blip r:embed="rId4" cstate="print">
+          <a:blip r:embed="rId5" cstate="print">
             <a:extLst>
               <a:ext uri="{BEBA8EAE-BF5A-486C-A8C5-ECC9F3942E4B}">
                 <a14:imgProps xmlns:a14="http://schemas.microsoft.com/office/drawing/2010/main">
-                  <a14:imgLayer r:embed="rId5">
+                  <a14:imgLayer r:embed="rId6">
                     <a14:imgEffect>
                       <a14:backgroundRemoval t="0" b="99123" l="0" r="100000">
                         <a14:foregroundMark x1="39278" y1="30702" x2="39278" y2="30702"/>
@@ -3130,11 +3158,11 @@
           <p:nvPr/>
         </p:nvPicPr>
         <p:blipFill>
-          <a:blip r:embed="rId6" cstate="print">
+          <a:blip r:embed="rId7" cstate="print">
             <a:extLst>
               <a:ext uri="{BEBA8EAE-BF5A-486C-A8C5-ECC9F3942E4B}">
                 <a14:imgProps xmlns:a14="http://schemas.microsoft.com/office/drawing/2010/main">
-                  <a14:imgLayer r:embed="rId7">
+                  <a14:imgLayer r:embed="rId8">
                     <a14:imgEffect>
                       <a14:backgroundRemoval t="326" b="99349" l="0" r="99884">
                         <a14:foregroundMark x1="20116" y1="53094" x2="20116" y2="53094"/>
@@ -3190,7 +3218,7 @@
           <p:nvPr/>
         </p:nvPicPr>
         <p:blipFill>
-          <a:blip r:embed="rId8" cstate="print">
+          <a:blip r:embed="rId9" cstate="print">
             <a:extLst>
               <a:ext uri="{28A0092B-C50C-407E-A947-70E740481C1C}">
                 <a14:useLocalDpi xmlns:a14="http://schemas.microsoft.com/office/drawing/2010/main" val="0"/>
@@ -3291,7 +3319,7 @@
             <p:nvPr/>
           </p:nvPicPr>
           <p:blipFill>
-            <a:blip r:embed="rId9"/>
+            <a:blip r:embed="rId10"/>
             <a:stretch>
               <a:fillRect/>
             </a:stretch>
@@ -3362,11 +3390,11 @@
           <p:nvPr/>
         </p:nvPicPr>
         <p:blipFill>
-          <a:blip r:embed="rId10">
+          <a:blip r:embed="rId11">
             <a:extLst>
               <a:ext uri="{BEBA8EAE-BF5A-486C-A8C5-ECC9F3942E4B}">
                 <a14:imgProps xmlns:a14="http://schemas.microsoft.com/office/drawing/2010/main">
-                  <a14:imgLayer r:embed="rId11">
+                  <a14:imgLayer r:embed="rId12">
                     <a14:imgEffect>
                       <a14:backgroundRemoval t="0" b="100000" l="0" r="100000">
                         <a14:foregroundMark x1="31884" y1="93103" x2="31884" y2="93103"/>
@@ -3402,7 +3430,7 @@
           <p:nvPr/>
         </p:nvPicPr>
         <p:blipFill>
-          <a:blip r:embed="rId12" cstate="print">
+          <a:blip r:embed="rId13" cstate="print">
             <a:extLst>
               <a:ext uri="{28A0092B-C50C-407E-A947-70E740481C1C}">
                 <a14:useLocalDpi xmlns:a14="http://schemas.microsoft.com/office/drawing/2010/main" val="0"/>

--- a/Documentação/Documentação_Teorica/LLD.pptx
+++ b/Documentação/Documentação_Teorica/LLD.pptx
@@ -6,6 +6,7 @@
   </p:sldMasterIdLst>
   <p:sldIdLst>
     <p:sldId id="256" r:id="rId2"/>
+    <p:sldId id="257" r:id="rId3"/>
   </p:sldIdLst>
   <p:sldSz cx="12192000" cy="6858000"/>
   <p:notesSz cx="6858000" cy="9144000"/>
@@ -2969,23 +2970,156 @@
           <a:chExt cx="0" cy="0"/>
         </a:xfrm>
       </p:grpSpPr>
+      <p:sp>
+        <p:nvSpPr>
+          <p:cNvPr id="21" name="Retângulo 20"/>
+          <p:cNvSpPr/>
+          <p:nvPr/>
+        </p:nvSpPr>
+        <p:spPr>
+          <a:xfrm>
+            <a:off x="611515" y="3916396"/>
+            <a:ext cx="5100812" cy="2718183"/>
+          </a:xfrm>
+          <a:prstGeom prst="rect">
+            <a:avLst/>
+          </a:prstGeom>
+          <a:noFill/>
+          <a:ln w="28575">
+            <a:solidFill>
+              <a:srgbClr val="11BD5D"/>
+            </a:solidFill>
+          </a:ln>
+        </p:spPr>
+        <p:style>
+          <a:lnRef idx="2">
+            <a:schemeClr val="accent1">
+              <a:shade val="50000"/>
+            </a:schemeClr>
+          </a:lnRef>
+          <a:fillRef idx="1">
+            <a:schemeClr val="accent1"/>
+          </a:fillRef>
+          <a:effectRef idx="0">
+            <a:schemeClr val="accent1"/>
+          </a:effectRef>
+          <a:fontRef idx="minor">
+            <a:schemeClr val="lt1"/>
+          </a:fontRef>
+        </p:style>
+        <p:txBody>
+          <a:bodyPr rtlCol="0" anchor="ctr"/>
+          <a:lstStyle/>
+          <a:p>
+            <a:pPr algn="ctr"/>
+            <a:endParaRPr lang="pt-BR"/>
+          </a:p>
+        </p:txBody>
+      </p:sp>
       <p:pic>
         <p:nvPicPr>
-          <p:cNvPr id="7" name="Imagem 6"/>
+          <p:cNvPr id="25" name="Imagem 24"/>
           <p:cNvPicPr>
             <a:picLocks noChangeAspect="1"/>
           </p:cNvPicPr>
           <p:nvPr/>
         </p:nvPicPr>
-        <p:blipFill rotWithShape="1">
+        <p:blipFill>
           <a:blip r:embed="rId2"/>
-          <a:srcRect l="9840" t="12062" r="814" b="12217"/>
-          <a:stretch/>
+          <a:stretch>
+            <a:fillRect/>
+          </a:stretch>
         </p:blipFill>
         <p:spPr>
           <a:xfrm>
-            <a:off x="3560077" y="197758"/>
-            <a:ext cx="5225143" cy="2952207"/>
+            <a:off x="4674981" y="5432749"/>
+            <a:ext cx="986703" cy="1120041"/>
+          </a:xfrm>
+          <a:prstGeom prst="rect">
+            <a:avLst/>
+          </a:prstGeom>
+        </p:spPr>
+      </p:pic>
+      <p:sp>
+        <p:nvSpPr>
+          <p:cNvPr id="28" name="Retângulo 27"/>
+          <p:cNvSpPr/>
+          <p:nvPr/>
+        </p:nvSpPr>
+        <p:spPr>
+          <a:xfrm>
+            <a:off x="7165412" y="3921688"/>
+            <a:ext cx="3975100" cy="2647603"/>
+          </a:xfrm>
+          <a:prstGeom prst="rect">
+            <a:avLst/>
+          </a:prstGeom>
+          <a:noFill/>
+          <a:ln w="28575">
+            <a:solidFill>
+              <a:srgbClr val="11BD5D"/>
+            </a:solidFill>
+          </a:ln>
+        </p:spPr>
+        <p:style>
+          <a:lnRef idx="2">
+            <a:schemeClr val="accent1">
+              <a:shade val="50000"/>
+            </a:schemeClr>
+          </a:lnRef>
+          <a:fillRef idx="1">
+            <a:schemeClr val="accent1"/>
+          </a:fillRef>
+          <a:effectRef idx="0">
+            <a:schemeClr val="accent1"/>
+          </a:effectRef>
+          <a:fontRef idx="minor">
+            <a:schemeClr val="lt1"/>
+          </a:fontRef>
+        </p:style>
+        <p:txBody>
+          <a:bodyPr rtlCol="0" anchor="ctr"/>
+          <a:lstStyle/>
+          <a:p>
+            <a:pPr algn="ctr"/>
+            <a:endParaRPr lang="pt-BR"/>
+          </a:p>
+        </p:txBody>
+      </p:sp>
+      <p:pic>
+        <p:nvPicPr>
+          <p:cNvPr id="31" name="Imagem 30"/>
+          <p:cNvPicPr>
+            <a:picLocks noChangeAspect="1"/>
+          </p:cNvPicPr>
+          <p:nvPr/>
+        </p:nvPicPr>
+        <p:blipFill>
+          <a:blip r:embed="rId3">
+            <a:extLst>
+              <a:ext uri="{BEBA8EAE-BF5A-486C-A8C5-ECC9F3942E4B}">
+                <a14:imgProps xmlns:a14="http://schemas.microsoft.com/office/drawing/2010/main">
+                  <a14:imgLayer r:embed="rId4">
+                    <a14:imgEffect>
+                      <a14:backgroundRemoval t="0" b="100000" l="0" r="100000">
+                        <a14:foregroundMark x1="31884" y1="93103" x2="31884" y2="93103"/>
+                        <a14:foregroundMark x1="73913" y1="93417" x2="73913" y2="93417"/>
+                        <a14:foregroundMark x1="71739" y1="78997" x2="71739" y2="78997"/>
+                      </a14:backgroundRemoval>
+                    </a14:imgEffect>
+                  </a14:imgLayer>
+                </a14:imgProps>
+              </a:ext>
+            </a:extLst>
+          </a:blip>
+          <a:stretch>
+            <a:fillRect/>
+          </a:stretch>
+        </p:blipFill>
+        <p:spPr>
+          <a:xfrm>
+            <a:off x="10582213" y="5223232"/>
+            <a:ext cx="610551" cy="1411347"/>
           </a:xfrm>
           <a:prstGeom prst="rect">
             <a:avLst/>
@@ -3000,7 +3134,7 @@
         </p:nvGrpSpPr>
         <p:grpSpPr>
           <a:xfrm>
-            <a:off x="5993156" y="528370"/>
+            <a:off x="11229737" y="212348"/>
             <a:ext cx="873328" cy="947550"/>
             <a:chOff x="4387726" y="473103"/>
             <a:chExt cx="1299864" cy="1459216"/>
@@ -3015,7 +3149,7 @@
             <p:nvPr/>
           </p:nvPicPr>
           <p:blipFill>
-            <a:blip r:embed="rId3" cstate="print">
+            <a:blip r:embed="rId5" cstate="print">
               <a:extLst>
                 <a:ext uri="{28A0092B-C50C-407E-A947-70E740481C1C}">
                   <a14:useLocalDpi xmlns:a14="http://schemas.microsoft.com/office/drawing/2010/main" val="0"/>
@@ -3056,7 +3190,7 @@
             <p:nvPr/>
           </p:nvPicPr>
           <p:blipFill>
-            <a:blip r:embed="rId4" cstate="print">
+            <a:blip r:embed="rId6" cstate="print">
               <a:extLst>
                 <a:ext uri="{28A0092B-C50C-407E-A947-70E740481C1C}">
                   <a14:useLocalDpi xmlns:a14="http://schemas.microsoft.com/office/drawing/2010/main" val="0"/>
@@ -3089,66 +3223,6 @@
           </p:spPr>
         </p:pic>
       </p:grpSp>
-      <p:pic>
-        <p:nvPicPr>
-          <p:cNvPr id="16" name="Imagem 15"/>
-          <p:cNvPicPr>
-            <a:picLocks noChangeAspect="1"/>
-          </p:cNvPicPr>
-          <p:nvPr/>
-        </p:nvPicPr>
-        <p:blipFill>
-          <a:blip r:embed="rId5" cstate="print">
-            <a:extLst>
-              <a:ext uri="{BEBA8EAE-BF5A-486C-A8C5-ECC9F3942E4B}">
-                <a14:imgProps xmlns:a14="http://schemas.microsoft.com/office/drawing/2010/main">
-                  <a14:imgLayer r:embed="rId6">
-                    <a14:imgEffect>
-                      <a14:backgroundRemoval t="0" b="99123" l="0" r="100000">
-                        <a14:foregroundMark x1="39278" y1="30702" x2="39278" y2="30702"/>
-                        <a14:foregroundMark x1="45598" y1="35965" x2="45598" y2="35965"/>
-                        <a14:foregroundMark x1="59368" y1="35088" x2="59368" y2="35088"/>
-                        <a14:foregroundMark x1="67720" y1="36842" x2="67720" y2="36842"/>
-                        <a14:foregroundMark x1="67269" y1="13158" x2="67269" y2="13158"/>
-                        <a14:foregroundMark x1="71558" y1="42982" x2="71558" y2="42982"/>
-                        <a14:foregroundMark x1="90519" y1="32456" x2="90519" y2="32456"/>
-                        <a14:foregroundMark x1="24605" y1="66667" x2="24605" y2="66667"/>
-                        <a14:foregroundMark x1="25056" y1="62281" x2="25056" y2="62281"/>
-                        <a14:foregroundMark x1="25282" y1="59649" x2="25282" y2="59649"/>
-                        <a14:foregroundMark x1="23251" y1="9649" x2="23251" y2="9649"/>
-                        <a14:foregroundMark x1="23702" y1="13158" x2="24153" y2="14912"/>
-                        <a14:foregroundMark x1="23928" y1="16667" x2="24153" y2="20175"/>
-                        <a14:foregroundMark x1="24153" y1="21053" x2="24831" y2="26316"/>
-                        <a14:foregroundMark x1="24831" y1="27193" x2="25056" y2="34211"/>
-                        <a14:foregroundMark x1="25056" y1="34211" x2="25508" y2="44737"/>
-                        <a14:foregroundMark x1="98871" y1="26316" x2="98871" y2="26316"/>
-                        <a14:foregroundMark x1="97743" y1="33333" x2="97743" y2="33333"/>
-                        <a14:foregroundMark x1="97743" y1="35088" x2="97743" y2="35088"/>
-                        <a14:foregroundMark x1="97743" y1="28070" x2="97743" y2="28070"/>
-                      </a14:backgroundRemoval>
-                    </a14:imgEffect>
-                  </a14:imgLayer>
-                </a14:imgProps>
-              </a:ext>
-              <a:ext uri="{28A0092B-C50C-407E-A947-70E740481C1C}">
-                <a14:useLocalDpi xmlns:a14="http://schemas.microsoft.com/office/drawing/2010/main" val="0"/>
-              </a:ext>
-            </a:extLst>
-          </a:blip>
-          <a:stretch>
-            <a:fillRect/>
-          </a:stretch>
-        </p:blipFill>
-        <p:spPr>
-          <a:xfrm>
-            <a:off x="4456162" y="2147832"/>
-            <a:ext cx="1463541" cy="431193"/>
-          </a:xfrm>
-          <a:prstGeom prst="rect">
-            <a:avLst/>
-          </a:prstGeom>
-        </p:spPr>
-      </p:pic>
       <p:pic>
         <p:nvPicPr>
           <p:cNvPr id="17" name="Imagem 16"/>
@@ -3201,7 +3275,7 @@
         </p:blipFill>
         <p:spPr>
           <a:xfrm>
-            <a:off x="6238924" y="2088586"/>
+            <a:off x="8899081" y="763374"/>
             <a:ext cx="1564993" cy="549687"/>
           </a:xfrm>
           <a:prstGeom prst="rect">
@@ -3209,16 +3283,173 @@
           </a:prstGeom>
         </p:spPr>
       </p:pic>
+      <p:grpSp>
+        <p:nvGrpSpPr>
+          <p:cNvPr id="58" name="Agrupar 57"/>
+          <p:cNvGrpSpPr/>
+          <p:nvPr/>
+        </p:nvGrpSpPr>
+        <p:grpSpPr>
+          <a:xfrm>
+            <a:off x="4686125" y="912417"/>
+            <a:ext cx="1785206" cy="899452"/>
+            <a:chOff x="6066178" y="715774"/>
+            <a:chExt cx="1969244" cy="1033912"/>
+          </a:xfrm>
+        </p:grpSpPr>
+        <p:pic>
+          <p:nvPicPr>
+            <p:cNvPr id="16" name="Imagem 15"/>
+            <p:cNvPicPr>
+              <a:picLocks noChangeAspect="1"/>
+            </p:cNvPicPr>
+            <p:nvPr/>
+          </p:nvPicPr>
+          <p:blipFill>
+            <a:blip r:embed="rId9" cstate="print">
+              <a:extLst>
+                <a:ext uri="{BEBA8EAE-BF5A-486C-A8C5-ECC9F3942E4B}">
+                  <a14:imgProps xmlns:a14="http://schemas.microsoft.com/office/drawing/2010/main">
+                    <a14:imgLayer r:embed="rId10">
+                      <a14:imgEffect>
+                        <a14:backgroundRemoval t="0" b="99123" l="0" r="100000">
+                          <a14:foregroundMark x1="39278" y1="30702" x2="39278" y2="30702"/>
+                          <a14:foregroundMark x1="45598" y1="35965" x2="45598" y2="35965"/>
+                          <a14:foregroundMark x1="59368" y1="35088" x2="59368" y2="35088"/>
+                          <a14:foregroundMark x1="67720" y1="36842" x2="67720" y2="36842"/>
+                          <a14:foregroundMark x1="67269" y1="13158" x2="67269" y2="13158"/>
+                          <a14:foregroundMark x1="71558" y1="42982" x2="71558" y2="42982"/>
+                          <a14:foregroundMark x1="90519" y1="32456" x2="90519" y2="32456"/>
+                          <a14:foregroundMark x1="24605" y1="66667" x2="24605" y2="66667"/>
+                          <a14:foregroundMark x1="25056" y1="62281" x2="25056" y2="62281"/>
+                          <a14:foregroundMark x1="25282" y1="59649" x2="25282" y2="59649"/>
+                          <a14:foregroundMark x1="23251" y1="9649" x2="23251" y2="9649"/>
+                          <a14:foregroundMark x1="23702" y1="13158" x2="24153" y2="14912"/>
+                          <a14:foregroundMark x1="23928" y1="16667" x2="24153" y2="20175"/>
+                          <a14:foregroundMark x1="24153" y1="21053" x2="24831" y2="26316"/>
+                          <a14:foregroundMark x1="24831" y1="27193" x2="25056" y2="34211"/>
+                          <a14:foregroundMark x1="25056" y1="34211" x2="25508" y2="44737"/>
+                          <a14:foregroundMark x1="98871" y1="26316" x2="98871" y2="26316"/>
+                          <a14:foregroundMark x1="97743" y1="33333" x2="97743" y2="33333"/>
+                          <a14:foregroundMark x1="97743" y1="35088" x2="97743" y2="35088"/>
+                          <a14:foregroundMark x1="97743" y1="28070" x2="97743" y2="28070"/>
+                        </a14:backgroundRemoval>
+                      </a14:imgEffect>
+                    </a14:imgLayer>
+                  </a14:imgProps>
+                </a:ext>
+                <a:ext uri="{28A0092B-C50C-407E-A947-70E740481C1C}">
+                  <a14:useLocalDpi xmlns:a14="http://schemas.microsoft.com/office/drawing/2010/main" val="0"/>
+                </a:ext>
+              </a:extLst>
+            </a:blip>
+            <a:stretch>
+              <a:fillRect/>
+            </a:stretch>
+          </p:blipFill>
+          <p:spPr>
+            <a:xfrm>
+              <a:off x="6334850" y="715774"/>
+              <a:ext cx="1463541" cy="431193"/>
+            </a:xfrm>
+            <a:prstGeom prst="rect">
+              <a:avLst/>
+            </a:prstGeom>
+          </p:spPr>
+        </p:pic>
+        <p:pic>
+          <p:nvPicPr>
+            <p:cNvPr id="19" name="Picture 46" descr="onstrua sua API com Node js agora Parte 1 | by Danilo Jose | Medium"/>
+            <p:cNvPicPr>
+              <a:picLocks noChangeAspect="1" noChangeArrowheads="1"/>
+            </p:cNvPicPr>
+            <p:nvPr/>
+          </p:nvPicPr>
+          <p:blipFill>
+            <a:blip r:embed="rId11" cstate="print">
+              <a:extLst>
+                <a:ext uri="{28A0092B-C50C-407E-A947-70E740481C1C}">
+                  <a14:useLocalDpi xmlns:a14="http://schemas.microsoft.com/office/drawing/2010/main" val="0"/>
+                </a:ext>
+              </a:extLst>
+            </a:blip>
+            <a:srcRect/>
+            <a:stretch>
+              <a:fillRect/>
+            </a:stretch>
+          </p:blipFill>
+          <p:spPr bwMode="auto">
+            <a:xfrm>
+              <a:off x="7108092" y="1168714"/>
+              <a:ext cx="927330" cy="567217"/>
+            </a:xfrm>
+            <a:prstGeom prst="rect">
+              <a:avLst/>
+            </a:prstGeom>
+            <a:noFill/>
+            <a:extLst>
+              <a:ext uri="{909E8E84-426E-40DD-AFC4-6F175D3DCCD1}">
+                <a14:hiddenFill xmlns:a14="http://schemas.microsoft.com/office/drawing/2010/main">
+                  <a:solidFill>
+                    <a:srgbClr val="FFFFFF"/>
+                  </a:solidFill>
+                </a14:hiddenFill>
+              </a:ext>
+            </a:extLst>
+          </p:spPr>
+        </p:pic>
+        <p:pic>
+          <p:nvPicPr>
+            <p:cNvPr id="32" name="Picture 28" descr="ava Icon Image #106574 - Free Icons Library"/>
+            <p:cNvPicPr>
+              <a:picLocks noChangeAspect="1" noChangeArrowheads="1"/>
+            </p:cNvPicPr>
+            <p:nvPr/>
+          </p:nvPicPr>
+          <p:blipFill>
+            <a:blip r:embed="rId12" cstate="print">
+              <a:extLst>
+                <a:ext uri="{28A0092B-C50C-407E-A947-70E740481C1C}">
+                  <a14:useLocalDpi xmlns:a14="http://schemas.microsoft.com/office/drawing/2010/main" val="0"/>
+                </a:ext>
+              </a:extLst>
+            </a:blip>
+            <a:srcRect/>
+            <a:stretch>
+              <a:fillRect/>
+            </a:stretch>
+          </p:blipFill>
+          <p:spPr bwMode="auto">
+            <a:xfrm>
+              <a:off x="6066178" y="1109812"/>
+              <a:ext cx="959812" cy="639874"/>
+            </a:xfrm>
+            <a:prstGeom prst="rect">
+              <a:avLst/>
+            </a:prstGeom>
+            <a:noFill/>
+            <a:extLst>
+              <a:ext uri="{909E8E84-426E-40DD-AFC4-6F175D3DCCD1}">
+                <a14:hiddenFill xmlns:a14="http://schemas.microsoft.com/office/drawing/2010/main">
+                  <a:solidFill>
+                    <a:srgbClr val="FFFFFF"/>
+                  </a:solidFill>
+                </a14:hiddenFill>
+              </a:ext>
+            </a:extLst>
+          </p:spPr>
+        </p:pic>
+      </p:grpSp>
       <p:pic>
         <p:nvPicPr>
-          <p:cNvPr id="19" name="Picture 46" descr="onstrua sua API com Node js agora Parte 1 | by Danilo Jose | Medium"/>
+          <p:cNvPr id="15" name="Picture 24" descr="ree Icon | Laptop"/>
           <p:cNvPicPr>
             <a:picLocks noChangeAspect="1" noChangeArrowheads="1"/>
           </p:cNvPicPr>
           <p:nvPr/>
         </p:nvPicPr>
         <p:blipFill>
-          <a:blip r:embed="rId9" cstate="print">
+          <a:blip r:embed="rId13" cstate="print">
             <a:extLst>
               <a:ext uri="{28A0092B-C50C-407E-A947-70E740481C1C}">
                 <a14:useLocalDpi xmlns:a14="http://schemas.microsoft.com/office/drawing/2010/main" val="0"/>
@@ -3232,8 +3463,8 @@
         </p:blipFill>
         <p:spPr bwMode="auto">
           <a:xfrm>
-            <a:off x="6238924" y="1560987"/>
-            <a:ext cx="927330" cy="567217"/>
+            <a:off x="8497884" y="4525800"/>
+            <a:ext cx="2084329" cy="1993804"/>
           </a:xfrm>
           <a:prstGeom prst="rect">
             <a:avLst/>
@@ -3250,30 +3481,588 @@
           </a:extLst>
         </p:spPr>
       </p:pic>
+      <p:pic>
+        <p:nvPicPr>
+          <p:cNvPr id="2" name="Imagem 1"/>
+          <p:cNvPicPr>
+            <a:picLocks noChangeAspect="1"/>
+          </p:cNvPicPr>
+          <p:nvPr/>
+        </p:nvPicPr>
+        <p:blipFill>
+          <a:blip r:embed="rId14" cstate="print">
+            <a:extLst>
+              <a:ext uri="{28A0092B-C50C-407E-A947-70E740481C1C}">
+                <a14:useLocalDpi xmlns:a14="http://schemas.microsoft.com/office/drawing/2010/main" val="0"/>
+              </a:ext>
+            </a:extLst>
+          </a:blip>
+          <a:stretch>
+            <a:fillRect/>
+          </a:stretch>
+        </p:blipFill>
+        <p:spPr>
+          <a:xfrm>
+            <a:off x="8910870" y="5074812"/>
+            <a:ext cx="1258358" cy="692337"/>
+          </a:xfrm>
+          <a:prstGeom prst="rect">
+            <a:avLst/>
+          </a:prstGeom>
+        </p:spPr>
+      </p:pic>
+      <p:pic>
+        <p:nvPicPr>
+          <p:cNvPr id="18" name="Picture 52" descr="icheiro:Google Chrome icon (September 2014).svg – Wikipédia, a  encicl"/>
+          <p:cNvPicPr>
+            <a:picLocks noChangeAspect="1" noChangeArrowheads="1"/>
+          </p:cNvPicPr>
+          <p:nvPr/>
+        </p:nvPicPr>
+        <p:blipFill>
+          <a:blip r:embed="rId15" cstate="print">
+            <a:extLst>
+              <a:ext uri="{28A0092B-C50C-407E-A947-70E740481C1C}">
+                <a14:useLocalDpi xmlns:a14="http://schemas.microsoft.com/office/drawing/2010/main" val="0"/>
+              </a:ext>
+            </a:extLst>
+          </a:blip>
+          <a:srcRect/>
+          <a:stretch>
+            <a:fillRect/>
+          </a:stretch>
+        </p:blipFill>
+        <p:spPr bwMode="auto">
+          <a:xfrm>
+            <a:off x="8722103" y="4262748"/>
+            <a:ext cx="432589" cy="432589"/>
+          </a:xfrm>
+          <a:prstGeom prst="rect">
+            <a:avLst/>
+          </a:prstGeom>
+          <a:noFill/>
+          <a:extLst>
+            <a:ext uri="{909E8E84-426E-40DD-AFC4-6F175D3DCCD1}">
+              <a14:hiddenFill xmlns:a14="http://schemas.microsoft.com/office/drawing/2010/main">
+                <a:solidFill>
+                  <a:srgbClr val="FFFFFF"/>
+                </a:solidFill>
+              </a14:hiddenFill>
+            </a:ext>
+          </a:extLst>
+        </p:spPr>
+      </p:pic>
+      <p:pic>
+        <p:nvPicPr>
+          <p:cNvPr id="20" name="Picture 54" descr=" new Firefox and a new Firefox icon | The Firefox Frontier"/>
+          <p:cNvPicPr>
+            <a:picLocks noChangeAspect="1" noChangeArrowheads="1"/>
+          </p:cNvPicPr>
+          <p:nvPr/>
+        </p:nvPicPr>
+        <p:blipFill>
+          <a:blip r:embed="rId16" cstate="print">
+            <a:extLst>
+              <a:ext uri="{28A0092B-C50C-407E-A947-70E740481C1C}">
+                <a14:useLocalDpi xmlns:a14="http://schemas.microsoft.com/office/drawing/2010/main" val="0"/>
+              </a:ext>
+            </a:extLst>
+          </a:blip>
+          <a:srcRect/>
+          <a:stretch>
+            <a:fillRect/>
+          </a:stretch>
+        </p:blipFill>
+        <p:spPr bwMode="auto">
+          <a:xfrm>
+            <a:off x="9264771" y="4235420"/>
+            <a:ext cx="442931" cy="457696"/>
+          </a:xfrm>
+          <a:prstGeom prst="rect">
+            <a:avLst/>
+          </a:prstGeom>
+          <a:noFill/>
+          <a:extLst>
+            <a:ext uri="{909E8E84-426E-40DD-AFC4-6F175D3DCCD1}">
+              <a14:hiddenFill xmlns:a14="http://schemas.microsoft.com/office/drawing/2010/main">
+                <a:solidFill>
+                  <a:srgbClr val="FFFFFF"/>
+                </a:solidFill>
+              </a14:hiddenFill>
+            </a:ext>
+          </a:extLst>
+        </p:spPr>
+      </p:pic>
+      <p:pic>
+        <p:nvPicPr>
+          <p:cNvPr id="22" name="Picture 70" descr="ownload New Microsoft Edge Browser | Microsoft"/>
+          <p:cNvPicPr>
+            <a:picLocks noChangeAspect="1" noChangeArrowheads="1"/>
+          </p:cNvPicPr>
+          <p:nvPr/>
+        </p:nvPicPr>
+        <p:blipFill>
+          <a:blip r:embed="rId17" cstate="print">
+            <a:extLst>
+              <a:ext uri="{28A0092B-C50C-407E-A947-70E740481C1C}">
+                <a14:useLocalDpi xmlns:a14="http://schemas.microsoft.com/office/drawing/2010/main" val="0"/>
+              </a:ext>
+            </a:extLst>
+          </a:blip>
+          <a:srcRect/>
+          <a:stretch>
+            <a:fillRect/>
+          </a:stretch>
+        </p:blipFill>
+        <p:spPr bwMode="auto">
+          <a:xfrm>
+            <a:off x="9734459" y="4193418"/>
+            <a:ext cx="643377" cy="541699"/>
+          </a:xfrm>
+          <a:prstGeom prst="rect">
+            <a:avLst/>
+          </a:prstGeom>
+          <a:noFill/>
+          <a:extLst>
+            <a:ext uri="{909E8E84-426E-40DD-AFC4-6F175D3DCCD1}">
+              <a14:hiddenFill xmlns:a14="http://schemas.microsoft.com/office/drawing/2010/main">
+                <a:solidFill>
+                  <a:srgbClr val="FFFFFF"/>
+                </a:solidFill>
+              </a14:hiddenFill>
+            </a:ext>
+          </a:extLst>
+        </p:spPr>
+      </p:pic>
       <p:grpSp>
         <p:nvGrpSpPr>
-          <p:cNvPr id="26" name="Agrupar 25"/>
+          <p:cNvPr id="6" name="Agrupar 5"/>
           <p:cNvGrpSpPr/>
           <p:nvPr/>
         </p:nvGrpSpPr>
         <p:grpSpPr>
           <a:xfrm>
-            <a:off x="665465" y="4114800"/>
-            <a:ext cx="3975100" cy="2362200"/>
-            <a:chOff x="665465" y="4114800"/>
-            <a:chExt cx="3975100" cy="2362200"/>
+            <a:off x="2369525" y="5826893"/>
+            <a:ext cx="1978560" cy="561523"/>
+            <a:chOff x="242868" y="1300999"/>
+            <a:chExt cx="2490657" cy="737480"/>
+          </a:xfrm>
+        </p:grpSpPr>
+        <p:pic>
+          <p:nvPicPr>
+            <p:cNvPr id="23" name="Picture 38" descr="omandos mais utilizados no Linux O.S. • Brasil Cloud"/>
+            <p:cNvPicPr>
+              <a:picLocks noChangeAspect="1" noChangeArrowheads="1"/>
+            </p:cNvPicPr>
+            <p:nvPr/>
+          </p:nvPicPr>
+          <p:blipFill>
+            <a:blip r:embed="rId18" cstate="print">
+              <a:extLst>
+                <a:ext uri="{28A0092B-C50C-407E-A947-70E740481C1C}">
+                  <a14:useLocalDpi xmlns:a14="http://schemas.microsoft.com/office/drawing/2010/main" val="0"/>
+                </a:ext>
+              </a:extLst>
+            </a:blip>
+            <a:srcRect/>
+            <a:stretch>
+              <a:fillRect/>
+            </a:stretch>
+          </p:blipFill>
+          <p:spPr bwMode="auto">
+            <a:xfrm>
+              <a:off x="2048971" y="1353925"/>
+              <a:ext cx="684554" cy="684554"/>
+            </a:xfrm>
+            <a:prstGeom prst="rect">
+              <a:avLst/>
+            </a:prstGeom>
+            <a:noFill/>
+            <a:extLst>
+              <a:ext uri="{909E8E84-426E-40DD-AFC4-6F175D3DCCD1}">
+                <a14:hiddenFill xmlns:a14="http://schemas.microsoft.com/office/drawing/2010/main">
+                  <a:solidFill>
+                    <a:srgbClr val="FFFFFF"/>
+                  </a:solidFill>
+                </a14:hiddenFill>
+              </a:ext>
+            </a:extLst>
+          </p:spPr>
+        </p:pic>
+        <p:pic>
+          <p:nvPicPr>
+            <p:cNvPr id="24" name="Picture 40" descr="ogotipo do Windows - Baixar PNG/SVG Transparente"/>
+            <p:cNvPicPr>
+              <a:picLocks noChangeAspect="1" noChangeArrowheads="1"/>
+            </p:cNvPicPr>
+            <p:nvPr/>
+          </p:nvPicPr>
+          <p:blipFill>
+            <a:blip r:embed="rId19" cstate="print">
+              <a:extLst>
+                <a:ext uri="{28A0092B-C50C-407E-A947-70E740481C1C}">
+                  <a14:useLocalDpi xmlns:a14="http://schemas.microsoft.com/office/drawing/2010/main" val="0"/>
+                </a:ext>
+              </a:extLst>
+            </a:blip>
+            <a:srcRect/>
+            <a:stretch>
+              <a:fillRect/>
+            </a:stretch>
+          </p:blipFill>
+          <p:spPr bwMode="auto">
+            <a:xfrm>
+              <a:off x="242868" y="1300999"/>
+              <a:ext cx="677886" cy="677886"/>
+            </a:xfrm>
+            <a:prstGeom prst="rect">
+              <a:avLst/>
+            </a:prstGeom>
+            <a:noFill/>
+            <a:extLst>
+              <a:ext uri="{909E8E84-426E-40DD-AFC4-6F175D3DCCD1}">
+                <a14:hiddenFill xmlns:a14="http://schemas.microsoft.com/office/drawing/2010/main">
+                  <a:solidFill>
+                    <a:srgbClr val="FFFFFF"/>
+                  </a:solidFill>
+                </a14:hiddenFill>
+              </a:ext>
+            </a:extLst>
+          </p:spPr>
+        </p:pic>
+        <p:pic>
+          <p:nvPicPr>
+            <p:cNvPr id="27" name="Picture 4" descr="acBook Logo@2x – iQ Apple Premium Reseller"/>
+            <p:cNvPicPr>
+              <a:picLocks noChangeAspect="1" noChangeArrowheads="1"/>
+            </p:cNvPicPr>
+            <p:nvPr/>
+          </p:nvPicPr>
+          <p:blipFill>
+            <a:blip r:embed="rId20" cstate="print">
+              <a:extLst>
+                <a:ext uri="{28A0092B-C50C-407E-A947-70E740481C1C}">
+                  <a14:useLocalDpi xmlns:a14="http://schemas.microsoft.com/office/drawing/2010/main" val="0"/>
+                </a:ext>
+              </a:extLst>
+            </a:blip>
+            <a:srcRect/>
+            <a:stretch>
+              <a:fillRect/>
+            </a:stretch>
+          </p:blipFill>
+          <p:spPr bwMode="auto">
+            <a:xfrm>
+              <a:off x="1126272" y="1599804"/>
+              <a:ext cx="1032037" cy="205526"/>
+            </a:xfrm>
+            <a:prstGeom prst="rect">
+              <a:avLst/>
+            </a:prstGeom>
+            <a:noFill/>
+            <a:extLst>
+              <a:ext uri="{909E8E84-426E-40DD-AFC4-6F175D3DCCD1}">
+                <a14:hiddenFill xmlns:a14="http://schemas.microsoft.com/office/drawing/2010/main">
+                  <a:solidFill>
+                    <a:srgbClr val="FFFFFF"/>
+                  </a:solidFill>
+                </a14:hiddenFill>
+              </a:ext>
+            </a:extLst>
+          </p:spPr>
+        </p:pic>
+      </p:grpSp>
+      <p:pic>
+        <p:nvPicPr>
+          <p:cNvPr id="29" name="Picture 20" descr="Desktop computer icon computer - Transparent PNG &amp; SVG vector file">
+            <a:extLst>
+              <a:ext uri="{FF2B5EF4-FFF2-40B4-BE49-F238E27FC236}">
+                <a16:creationId xmlns:a16="http://schemas.microsoft.com/office/drawing/2014/main" id="{731A2CB3-96B0-4D86-8223-A4E6D1F59FBC}"/>
+              </a:ext>
+            </a:extLst>
+          </p:cNvPr>
+          <p:cNvPicPr>
+            <a:picLocks noChangeAspect="1" noChangeArrowheads="1"/>
+          </p:cNvPicPr>
+          <p:nvPr/>
+        </p:nvPicPr>
+        <p:blipFill>
+          <a:blip r:embed="rId21">
+            <a:extLst>
+              <a:ext uri="{BEBA8EAE-BF5A-486C-A8C5-ECC9F3942E4B}">
+                <a14:imgProps xmlns:a14="http://schemas.microsoft.com/office/drawing/2010/main">
+                  <a14:imgLayer r:embed="rId22">
+                    <a14:imgEffect>
+                      <a14:backgroundRemoval t="5778" b="89778" l="0" r="99556">
+                        <a14:foregroundMark x1="42667" y1="57333" x2="42667" y2="57333"/>
+                        <a14:foregroundMark x1="43111" y1="80444" x2="43111" y2="80444"/>
+                        <a14:foregroundMark x1="45778" y1="83556" x2="45778" y2="83556"/>
+                        <a14:foregroundMark x1="42222" y1="76000" x2="42222" y2="76000"/>
+                        <a14:foregroundMark x1="15556" y1="72444" x2="15556" y2="72444"/>
+                        <a14:foregroundMark x1="13333" y1="73778" x2="13333" y2="73778"/>
+                        <a14:foregroundMark x1="12889" y1="76000" x2="12889" y2="76000"/>
+                        <a14:foregroundMark x1="12000" y1="78222" x2="12000" y2="78222"/>
+                        <a14:foregroundMark x1="11556" y1="80444" x2="11556" y2="80444"/>
+                        <a14:foregroundMark x1="16889" y1="80000" x2="16889" y2="80000"/>
+                        <a14:foregroundMark x1="20000" y1="80000" x2="20000" y2="80000"/>
+                        <a14:foregroundMark x1="26667" y1="76889" x2="26667" y2="76889"/>
+                        <a14:foregroundMark x1="31556" y1="76889" x2="31556" y2="76889"/>
+                        <a14:foregroundMark x1="56889" y1="79111" x2="56889" y2="79111"/>
+                        <a14:foregroundMark x1="61778" y1="76000" x2="61778" y2="76000"/>
+                        <a14:foregroundMark x1="45333" y1="81778" x2="45333" y2="81778"/>
+                        <a14:foregroundMark x1="36444" y1="82222" x2="36444" y2="82222"/>
+                      </a14:backgroundRemoval>
+                    </a14:imgEffect>
+                  </a14:imgLayer>
+                </a14:imgProps>
+              </a:ext>
+              <a:ext uri="{28A0092B-C50C-407E-A947-70E740481C1C}">
+                <a14:useLocalDpi xmlns:a14="http://schemas.microsoft.com/office/drawing/2010/main" val="0"/>
+              </a:ext>
+            </a:extLst>
+          </a:blip>
+          <a:srcRect/>
+          <a:stretch>
+            <a:fillRect/>
+          </a:stretch>
+        </p:blipFill>
+        <p:spPr bwMode="auto">
+          <a:xfrm>
+            <a:off x="2553087" y="4248349"/>
+            <a:ext cx="1718811" cy="1787047"/>
+          </a:xfrm>
+          <a:prstGeom prst="rect">
+            <a:avLst/>
+          </a:prstGeom>
+          <a:noFill/>
+          <a:extLst>
+            <a:ext uri="{909E8E84-426E-40DD-AFC4-6F175D3DCCD1}">
+              <a14:hiddenFill xmlns:a14="http://schemas.microsoft.com/office/drawing/2010/main">
+                <a:solidFill>
+                  <a:srgbClr val="FFFFFF"/>
+                </a:solidFill>
+              </a14:hiddenFill>
+            </a:ext>
+          </a:extLst>
+        </p:spPr>
+      </p:pic>
+      <p:sp>
+        <p:nvSpPr>
+          <p:cNvPr id="33" name="Retângulo 32"/>
+          <p:cNvSpPr/>
+          <p:nvPr/>
+        </p:nvSpPr>
+        <p:spPr>
+          <a:xfrm>
+            <a:off x="2364377" y="4096273"/>
+            <a:ext cx="1988856" cy="2421267"/>
+          </a:xfrm>
+          <a:prstGeom prst="rect">
+            <a:avLst/>
+          </a:prstGeom>
+          <a:noFill/>
+          <a:ln w="28575">
+            <a:solidFill>
+              <a:srgbClr val="11BD5D"/>
+            </a:solidFill>
+          </a:ln>
+        </p:spPr>
+        <p:style>
+          <a:lnRef idx="2">
+            <a:schemeClr val="accent1">
+              <a:shade val="50000"/>
+            </a:schemeClr>
+          </a:lnRef>
+          <a:fillRef idx="1">
+            <a:schemeClr val="accent1"/>
+          </a:fillRef>
+          <a:effectRef idx="0">
+            <a:schemeClr val="accent1"/>
+          </a:effectRef>
+          <a:fontRef idx="minor">
+            <a:schemeClr val="lt1"/>
+          </a:fontRef>
+        </p:style>
+        <p:txBody>
+          <a:bodyPr rtlCol="0" anchor="ctr"/>
+          <a:lstStyle/>
+          <a:p>
+            <a:pPr algn="ctr"/>
+            <a:endParaRPr lang="pt-BR"/>
+          </a:p>
+        </p:txBody>
+      </p:sp>
+      <p:sp>
+        <p:nvSpPr>
+          <p:cNvPr id="5" name="CaixaDeTexto 4"/>
+          <p:cNvSpPr txBox="1"/>
+          <p:nvPr/>
+        </p:nvSpPr>
+        <p:spPr>
+          <a:xfrm>
+            <a:off x="2728543" y="4096273"/>
+            <a:ext cx="1162595" cy="373919"/>
+          </a:xfrm>
+          <a:prstGeom prst="rect">
+            <a:avLst/>
+          </a:prstGeom>
+          <a:noFill/>
+        </p:spPr>
+        <p:txBody>
+          <a:bodyPr wrap="square" rtlCol="0">
+            <a:spAutoFit/>
+          </a:bodyPr>
+          <a:lstStyle/>
+          <a:p>
+            <a:pPr algn="ctr"/>
+            <a:r>
+              <a:rPr lang="pt-BR" u="sng" dirty="0" smtClean="0">
+                <a:solidFill>
+                  <a:schemeClr val="tx1">
+                    <a:lumMod val="95000"/>
+                    <a:lumOff val="5000"/>
+                  </a:schemeClr>
+                </a:solidFill>
+                <a:latin typeface="Arial" panose="020B0604020202020204" pitchFamily="34" charset="0"/>
+                <a:cs typeface="Arial" panose="020B0604020202020204" pitchFamily="34" charset="0"/>
+              </a:rPr>
+              <a:t>LOCAL</a:t>
+            </a:r>
+            <a:endParaRPr lang="pt-BR" u="sng" dirty="0">
+              <a:solidFill>
+                <a:schemeClr val="tx1">
+                  <a:lumMod val="95000"/>
+                  <a:lumOff val="5000"/>
+                </a:schemeClr>
+              </a:solidFill>
+              <a:latin typeface="Arial" panose="020B0604020202020204" pitchFamily="34" charset="0"/>
+              <a:cs typeface="Arial" panose="020B0604020202020204" pitchFamily="34" charset="0"/>
+            </a:endParaRPr>
+          </a:p>
+        </p:txBody>
+      </p:sp>
+      <p:sp>
+        <p:nvSpPr>
+          <p:cNvPr id="34" name="CaixaDeTexto 33"/>
+          <p:cNvSpPr txBox="1"/>
+          <p:nvPr/>
+        </p:nvSpPr>
+        <p:spPr>
+          <a:xfrm>
+            <a:off x="10069935" y="3555036"/>
+            <a:ext cx="1162595" cy="373919"/>
+          </a:xfrm>
+          <a:prstGeom prst="rect">
+            <a:avLst/>
+          </a:prstGeom>
+          <a:noFill/>
+        </p:spPr>
+        <p:txBody>
+          <a:bodyPr wrap="square" rtlCol="0">
+            <a:spAutoFit/>
+          </a:bodyPr>
+          <a:lstStyle/>
+          <a:p>
+            <a:pPr algn="ctr"/>
+            <a:r>
+              <a:rPr lang="pt-BR" u="sng" dirty="0" smtClean="0">
+                <a:solidFill>
+                  <a:schemeClr val="tx1">
+                    <a:lumMod val="95000"/>
+                    <a:lumOff val="5000"/>
+                  </a:schemeClr>
+                </a:solidFill>
+                <a:latin typeface="Arial" panose="020B0604020202020204" pitchFamily="34" charset="0"/>
+                <a:cs typeface="Arial" panose="020B0604020202020204" pitchFamily="34" charset="0"/>
+              </a:rPr>
+              <a:t>CLIENTE</a:t>
+            </a:r>
+            <a:endParaRPr lang="pt-BR" u="sng" dirty="0">
+              <a:solidFill>
+                <a:schemeClr val="tx1">
+                  <a:lumMod val="95000"/>
+                  <a:lumOff val="5000"/>
+                </a:schemeClr>
+              </a:solidFill>
+              <a:latin typeface="Arial" panose="020B0604020202020204" pitchFamily="34" charset="0"/>
+              <a:cs typeface="Arial" panose="020B0604020202020204" pitchFamily="34" charset="0"/>
+            </a:endParaRPr>
+          </a:p>
+        </p:txBody>
+      </p:sp>
+      <p:sp>
+        <p:nvSpPr>
+          <p:cNvPr id="35" name="CaixaDeTexto 34"/>
+          <p:cNvSpPr txBox="1"/>
+          <p:nvPr/>
+        </p:nvSpPr>
+        <p:spPr>
+          <a:xfrm>
+            <a:off x="268935" y="3549012"/>
+            <a:ext cx="1162595" cy="373919"/>
+          </a:xfrm>
+          <a:prstGeom prst="rect">
+            <a:avLst/>
+          </a:prstGeom>
+          <a:noFill/>
+        </p:spPr>
+        <p:txBody>
+          <a:bodyPr wrap="square" rtlCol="0">
+            <a:spAutoFit/>
+          </a:bodyPr>
+          <a:lstStyle/>
+          <a:p>
+            <a:pPr algn="ctr"/>
+            <a:r>
+              <a:rPr lang="pt-BR" u="sng" dirty="0" smtClean="0">
+                <a:solidFill>
+                  <a:schemeClr val="tx1">
+                    <a:lumMod val="95000"/>
+                    <a:lumOff val="5000"/>
+                  </a:schemeClr>
+                </a:solidFill>
+                <a:latin typeface="Arial" panose="020B0604020202020204" pitchFamily="34" charset="0"/>
+                <a:cs typeface="Arial" panose="020B0604020202020204" pitchFamily="34" charset="0"/>
+              </a:rPr>
+              <a:t>DEV</a:t>
+            </a:r>
+            <a:endParaRPr lang="pt-BR" u="sng" dirty="0">
+              <a:solidFill>
+                <a:schemeClr val="tx1">
+                  <a:lumMod val="95000"/>
+                  <a:lumOff val="5000"/>
+                </a:schemeClr>
+              </a:solidFill>
+              <a:latin typeface="Arial" panose="020B0604020202020204" pitchFamily="34" charset="0"/>
+              <a:cs typeface="Arial" panose="020B0604020202020204" pitchFamily="34" charset="0"/>
+            </a:endParaRPr>
+          </a:p>
+        </p:txBody>
+      </p:sp>
+      <p:grpSp>
+        <p:nvGrpSpPr>
+          <p:cNvPr id="14" name="Agrupar 13"/>
+          <p:cNvGrpSpPr/>
+          <p:nvPr/>
+        </p:nvGrpSpPr>
+        <p:grpSpPr>
+          <a:xfrm>
+            <a:off x="611515" y="171494"/>
+            <a:ext cx="10461412" cy="2265886"/>
+            <a:chOff x="892345" y="450369"/>
+            <a:chExt cx="10461412" cy="1785543"/>
           </a:xfrm>
         </p:grpSpPr>
         <p:sp>
           <p:nvSpPr>
-            <p:cNvPr id="21" name="Retângulo 20"/>
+            <p:cNvPr id="36" name="Retângulo 35"/>
             <p:cNvSpPr/>
             <p:nvPr/>
           </p:nvSpPr>
           <p:spPr>
             <a:xfrm>
-              <a:off x="665465" y="4114800"/>
-              <a:ext cx="3975100" cy="2362200"/>
+              <a:off x="892345" y="450369"/>
+              <a:ext cx="10461412" cy="1680741"/>
             </a:xfrm>
             <a:prstGeom prst="rect">
               <a:avLst/>
@@ -3310,41 +4099,191 @@
             </a:p>
           </p:txBody>
         </p:sp>
-        <p:pic>
-          <p:nvPicPr>
-            <p:cNvPr id="25" name="Imagem 24"/>
-            <p:cNvPicPr>
-              <a:picLocks noChangeAspect="1"/>
-            </p:cNvPicPr>
+        <p:sp>
+          <p:nvSpPr>
+            <p:cNvPr id="10" name="Retângulo 9"/>
+            <p:cNvSpPr/>
             <p:nvPr/>
-          </p:nvPicPr>
-          <p:blipFill>
-            <a:blip r:embed="rId10"/>
-            <a:stretch>
-              <a:fillRect/>
-            </a:stretch>
-          </p:blipFill>
+          </p:nvSpPr>
           <p:spPr>
             <a:xfrm>
-              <a:off x="3628157" y="5321300"/>
-              <a:ext cx="986703" cy="1120041"/>
+              <a:off x="5303371" y="1632131"/>
+              <a:ext cx="1448790" cy="603781"/>
             </a:xfrm>
             <a:prstGeom prst="rect">
               <a:avLst/>
             </a:prstGeom>
+            <a:solidFill>
+              <a:schemeClr val="bg1"/>
+            </a:solidFill>
+            <a:ln>
+              <a:solidFill>
+                <a:schemeClr val="bg1"/>
+              </a:solidFill>
+            </a:ln>
           </p:spPr>
-        </p:pic>
+          <p:style>
+            <a:lnRef idx="2">
+              <a:schemeClr val="accent1">
+                <a:shade val="50000"/>
+              </a:schemeClr>
+            </a:lnRef>
+            <a:fillRef idx="1">
+              <a:schemeClr val="accent1"/>
+            </a:fillRef>
+            <a:effectRef idx="0">
+              <a:schemeClr val="accent1"/>
+            </a:effectRef>
+            <a:fontRef idx="minor">
+              <a:schemeClr val="lt1"/>
+            </a:fontRef>
+          </p:style>
+          <p:txBody>
+            <a:bodyPr rtlCol="0" anchor="ctr"/>
+            <a:lstStyle/>
+            <a:p>
+              <a:pPr algn="ctr"/>
+              <a:endParaRPr lang="pt-BR"/>
+            </a:p>
+          </p:txBody>
+        </p:sp>
       </p:grpSp>
-      <p:sp>
-        <p:nvSpPr>
-          <p:cNvPr id="28" name="Retângulo 27"/>
+      <p:pic>
+        <p:nvPicPr>
+          <p:cNvPr id="9" name="Imagem 8"/>
+          <p:cNvPicPr>
+            <a:picLocks noChangeAspect="1"/>
+          </p:cNvPicPr>
+          <p:nvPr/>
+        </p:nvPicPr>
+        <p:blipFill>
+          <a:blip r:embed="rId23">
+            <a:extLst>
+              <a:ext uri="{28A0092B-C50C-407E-A947-70E740481C1C}">
+                <a14:useLocalDpi xmlns:a14="http://schemas.microsoft.com/office/drawing/2010/main" val="0"/>
+              </a:ext>
+            </a:extLst>
+          </a:blip>
+          <a:stretch>
+            <a:fillRect/>
+          </a:stretch>
+        </p:blipFill>
+        <p:spPr>
+          <a:xfrm>
+            <a:off x="4850978" y="1609942"/>
+            <a:ext cx="2001754" cy="1513764"/>
+          </a:xfrm>
+          <a:prstGeom prst="rect">
+            <a:avLst/>
+          </a:prstGeom>
+        </p:spPr>
+      </p:pic>
+      <p:sp>
+        <p:nvSpPr>
+          <p:cNvPr id="42" name="CaixaDeTexto 41"/>
+          <p:cNvSpPr txBox="1"/>
+          <p:nvPr/>
+        </p:nvSpPr>
+        <p:spPr>
+          <a:xfrm>
+            <a:off x="726584" y="456094"/>
+            <a:ext cx="2109779" cy="369332"/>
+          </a:xfrm>
+          <a:prstGeom prst="rect">
+            <a:avLst/>
+          </a:prstGeom>
+          <a:noFill/>
+        </p:spPr>
+        <p:txBody>
+          <a:bodyPr wrap="square" rtlCol="0">
+            <a:spAutoFit/>
+          </a:bodyPr>
+          <a:lstStyle/>
+          <a:p>
+            <a:pPr algn="ctr"/>
+            <a:r>
+              <a:rPr lang="pt-BR" u="sng" dirty="0" smtClean="0">
+                <a:solidFill>
+                  <a:schemeClr val="tx1">
+                    <a:lumMod val="95000"/>
+                    <a:lumOff val="5000"/>
+                  </a:schemeClr>
+                </a:solidFill>
+                <a:latin typeface="Open Sans Light" panose="020B0604020202020204"/>
+                <a:cs typeface="Arial" panose="020B0604020202020204" pitchFamily="34" charset="0"/>
+              </a:rPr>
+              <a:t>Banco de dados</a:t>
+            </a:r>
+            <a:endParaRPr lang="pt-BR" u="sng" dirty="0">
+              <a:solidFill>
+                <a:schemeClr val="tx1">
+                  <a:lumMod val="95000"/>
+                  <a:lumOff val="5000"/>
+                </a:schemeClr>
+              </a:solidFill>
+              <a:latin typeface="Open Sans Light" panose="020B0604020202020204"/>
+              <a:cs typeface="Arial" panose="020B0604020202020204" pitchFamily="34" charset="0"/>
+            </a:endParaRPr>
+          </a:p>
+        </p:txBody>
+      </p:sp>
+      <p:pic>
+        <p:nvPicPr>
+          <p:cNvPr id="43" name="Picture 10" descr="Versões e Service Packs do MS SQL Server">
+            <a:extLst>
+              <a:ext uri="{FF2B5EF4-FFF2-40B4-BE49-F238E27FC236}">
+                <a16:creationId xmlns:a16="http://schemas.microsoft.com/office/drawing/2014/main" id="{636158ED-0BA2-440F-A53A-E119F44A47A7}"/>
+              </a:ext>
+            </a:extLst>
+          </p:cNvPr>
+          <p:cNvPicPr>
+            <a:picLocks noChangeAspect="1" noChangeArrowheads="1"/>
+          </p:cNvPicPr>
+          <p:nvPr/>
+        </p:nvPicPr>
+        <p:blipFill>
+          <a:blip r:embed="rId24">
+            <a:extLst>
+              <a:ext uri="{28A0092B-C50C-407E-A947-70E740481C1C}">
+                <a14:useLocalDpi xmlns:a14="http://schemas.microsoft.com/office/drawing/2010/main" val="0"/>
+              </a:ext>
+            </a:extLst>
+          </a:blip>
+          <a:srcRect/>
+          <a:stretch>
+            <a:fillRect/>
+          </a:stretch>
+        </p:blipFill>
+        <p:spPr bwMode="auto">
+          <a:xfrm>
+            <a:off x="1062206" y="818282"/>
+            <a:ext cx="1224506" cy="1007505"/>
+          </a:xfrm>
+          <a:prstGeom prst="rect">
+            <a:avLst/>
+          </a:prstGeom>
+          <a:noFill/>
+          <a:extLst>
+            <a:ext uri="{909E8E84-426E-40DD-AFC4-6F175D3DCCD1}">
+              <a14:hiddenFill xmlns:a14="http://schemas.microsoft.com/office/drawing/2010/main">
+                <a:solidFill>
+                  <a:srgbClr val="FFFFFF"/>
+                </a:solidFill>
+              </a14:hiddenFill>
+            </a:ext>
+          </a:extLst>
+        </p:spPr>
+      </p:pic>
+      <p:sp>
+        <p:nvSpPr>
+          <p:cNvPr id="54" name="Retângulo 53"/>
           <p:cNvSpPr/>
           <p:nvPr/>
         </p:nvSpPr>
         <p:spPr>
           <a:xfrm>
-            <a:off x="7378657" y="4114800"/>
-            <a:ext cx="3975100" cy="2362200"/>
+            <a:off x="8561855" y="300446"/>
+            <a:ext cx="2423401" cy="1862881"/>
           </a:xfrm>
           <a:prstGeom prst="rect">
             <a:avLst/>
@@ -3354,6 +4293,7 @@
             <a:solidFill>
               <a:srgbClr val="11BD5D"/>
             </a:solidFill>
+            <a:prstDash val="lgDash"/>
           </a:ln>
         </p:spPr>
         <p:style>
@@ -3381,29 +4321,68 @@
           </a:p>
         </p:txBody>
       </p:sp>
+      <p:sp>
+        <p:nvSpPr>
+          <p:cNvPr id="55" name="CaixaDeTexto 54"/>
+          <p:cNvSpPr txBox="1"/>
+          <p:nvPr/>
+        </p:nvSpPr>
+        <p:spPr>
+          <a:xfrm>
+            <a:off x="8727727" y="363702"/>
+            <a:ext cx="2109779" cy="369332"/>
+          </a:xfrm>
+          <a:prstGeom prst="rect">
+            <a:avLst/>
+          </a:prstGeom>
+          <a:noFill/>
+        </p:spPr>
+        <p:txBody>
+          <a:bodyPr wrap="square" rtlCol="0">
+            <a:spAutoFit/>
+          </a:bodyPr>
+          <a:lstStyle/>
+          <a:p>
+            <a:pPr algn="ctr"/>
+            <a:r>
+              <a:rPr lang="pt-BR" u="sng" dirty="0" smtClean="0">
+                <a:solidFill>
+                  <a:schemeClr val="tx1">
+                    <a:lumMod val="95000"/>
+                    <a:lumOff val="5000"/>
+                  </a:schemeClr>
+                </a:solidFill>
+                <a:latin typeface="Open Sans Light" panose="020B0604020202020204"/>
+                <a:cs typeface="Arial" panose="020B0604020202020204" pitchFamily="34" charset="0"/>
+              </a:rPr>
+              <a:t>Site institucional</a:t>
+            </a:r>
+            <a:endParaRPr lang="pt-BR" u="sng" dirty="0">
+              <a:solidFill>
+                <a:schemeClr val="tx1">
+                  <a:lumMod val="95000"/>
+                  <a:lumOff val="5000"/>
+                </a:schemeClr>
+              </a:solidFill>
+              <a:latin typeface="Open Sans Light" panose="020B0604020202020204"/>
+              <a:cs typeface="Arial" panose="020B0604020202020204" pitchFamily="34" charset="0"/>
+            </a:endParaRPr>
+          </a:p>
+        </p:txBody>
+      </p:sp>
       <p:pic>
         <p:nvPicPr>
-          <p:cNvPr id="31" name="Imagem 30"/>
+          <p:cNvPr id="56" name="Imagem 55"/>
           <p:cNvPicPr>
             <a:picLocks noChangeAspect="1"/>
           </p:cNvPicPr>
           <p:nvPr/>
         </p:nvPicPr>
         <p:blipFill>
-          <a:blip r:embed="rId11">
+          <a:blip r:embed="rId25" cstate="print">
             <a:extLst>
-              <a:ext uri="{BEBA8EAE-BF5A-486C-A8C5-ECC9F3942E4B}">
-                <a14:imgProps xmlns:a14="http://schemas.microsoft.com/office/drawing/2010/main">
-                  <a14:imgLayer r:embed="rId12">
-                    <a14:imgEffect>
-                      <a14:backgroundRemoval t="0" b="100000" l="0" r="100000">
-                        <a14:foregroundMark x1="31884" y1="93103" x2="31884" y2="93103"/>
-                        <a14:foregroundMark x1="73913" y1="93417" x2="73913" y2="93417"/>
-                        <a14:foregroundMark x1="71739" y1="78997" x2="71739" y2="78997"/>
-                      </a14:backgroundRemoval>
-                    </a14:imgEffect>
-                  </a14:imgLayer>
-                </a14:imgProps>
+              <a:ext uri="{28A0092B-C50C-407E-A947-70E740481C1C}">
+                <a14:useLocalDpi xmlns:a14="http://schemas.microsoft.com/office/drawing/2010/main" val="0"/>
               </a:ext>
             </a:extLst>
           </a:blip>
@@ -3413,24 +4392,155 @@
         </p:blipFill>
         <p:spPr>
           <a:xfrm>
-            <a:off x="10768606" y="5106194"/>
-            <a:ext cx="610551" cy="1411347"/>
+            <a:off x="9254097" y="1404182"/>
+            <a:ext cx="1057040" cy="594585"/>
           </a:xfrm>
           <a:prstGeom prst="rect">
             <a:avLst/>
           </a:prstGeom>
         </p:spPr>
       </p:pic>
+      <p:sp>
+        <p:nvSpPr>
+          <p:cNvPr id="57" name="CaixaDeTexto 56"/>
+          <p:cNvSpPr txBox="1"/>
+          <p:nvPr/>
+        </p:nvSpPr>
+        <p:spPr>
+          <a:xfrm>
+            <a:off x="4299636" y="462520"/>
+            <a:ext cx="2662060" cy="369332"/>
+          </a:xfrm>
+          <a:prstGeom prst="rect">
+            <a:avLst/>
+          </a:prstGeom>
+          <a:noFill/>
+        </p:spPr>
+        <p:txBody>
+          <a:bodyPr wrap="square" rtlCol="0">
+            <a:spAutoFit/>
+          </a:bodyPr>
+          <a:lstStyle/>
+          <a:p>
+            <a:pPr algn="ctr"/>
+            <a:r>
+              <a:rPr lang="pt-BR" u="sng" dirty="0" smtClean="0">
+                <a:solidFill>
+                  <a:schemeClr val="tx1">
+                    <a:lumMod val="95000"/>
+                    <a:lumOff val="5000"/>
+                  </a:schemeClr>
+                </a:solidFill>
+                <a:latin typeface="Open Sans Light" panose="020B0604020202020204"/>
+                <a:cs typeface="Arial" panose="020B0604020202020204" pitchFamily="34" charset="0"/>
+              </a:rPr>
+              <a:t>Servidor da aplicação</a:t>
+            </a:r>
+            <a:endParaRPr lang="pt-BR" u="sng" dirty="0">
+              <a:solidFill>
+                <a:schemeClr val="tx1">
+                  <a:lumMod val="95000"/>
+                  <a:lumOff val="5000"/>
+                </a:schemeClr>
+              </a:solidFill>
+              <a:latin typeface="Open Sans Light" panose="020B0604020202020204"/>
+              <a:cs typeface="Arial" panose="020B0604020202020204" pitchFamily="34" charset="0"/>
+            </a:endParaRPr>
+          </a:p>
+        </p:txBody>
+      </p:sp>
+      <p:cxnSp>
+        <p:nvCxnSpPr>
+          <p:cNvPr id="70" name="Conector Angulado 69"/>
+          <p:cNvCxnSpPr/>
+          <p:nvPr/>
+        </p:nvCxnSpPr>
+        <p:spPr>
+          <a:xfrm rot="16200000" flipH="1">
+            <a:off x="6208672" y="2695699"/>
+            <a:ext cx="1192061" cy="1138554"/>
+          </a:xfrm>
+          <a:prstGeom prst="bentConnector3">
+            <a:avLst/>
+          </a:prstGeom>
+          <a:ln>
+            <a:solidFill>
+              <a:schemeClr val="tx1">
+                <a:lumMod val="95000"/>
+                <a:lumOff val="5000"/>
+              </a:schemeClr>
+            </a:solidFill>
+            <a:prstDash val="lgDashDot"/>
+            <a:headEnd type="triangle"/>
+            <a:tailEnd type="triangle"/>
+          </a:ln>
+        </p:spPr>
+        <p:style>
+          <a:lnRef idx="1">
+            <a:schemeClr val="accent1"/>
+          </a:lnRef>
+          <a:fillRef idx="0">
+            <a:schemeClr val="accent1"/>
+          </a:fillRef>
+          <a:effectRef idx="0">
+            <a:schemeClr val="accent1"/>
+          </a:effectRef>
+          <a:fontRef idx="minor">
+            <a:schemeClr val="tx1"/>
+          </a:fontRef>
+        </p:style>
+      </p:cxnSp>
+      <p:cxnSp>
+        <p:nvCxnSpPr>
+          <p:cNvPr id="83" name="Conector Angulado 82"/>
+          <p:cNvCxnSpPr/>
+          <p:nvPr/>
+        </p:nvCxnSpPr>
+        <p:spPr>
+          <a:xfrm rot="5400000">
+            <a:off x="4180245" y="2685737"/>
+            <a:ext cx="1149710" cy="1127598"/>
+          </a:xfrm>
+          <a:prstGeom prst="bentConnector3">
+            <a:avLst/>
+          </a:prstGeom>
+          <a:ln>
+            <a:solidFill>
+              <a:schemeClr val="tx1">
+                <a:lumMod val="95000"/>
+                <a:lumOff val="5000"/>
+              </a:schemeClr>
+            </a:solidFill>
+            <a:prstDash val="lgDashDot"/>
+            <a:headEnd type="triangle"/>
+            <a:tailEnd type="triangle"/>
+          </a:ln>
+        </p:spPr>
+        <p:style>
+          <a:lnRef idx="1">
+            <a:schemeClr val="accent1"/>
+          </a:lnRef>
+          <a:fillRef idx="0">
+            <a:schemeClr val="accent1"/>
+          </a:fillRef>
+          <a:effectRef idx="0">
+            <a:schemeClr val="accent1"/>
+          </a:effectRef>
+          <a:fontRef idx="minor">
+            <a:schemeClr val="tx1"/>
+          </a:fontRef>
+        </p:style>
+      </p:cxnSp>
       <p:pic>
         <p:nvPicPr>
-          <p:cNvPr id="32" name="Picture 28" descr="ava Icon Image #106574 - Free Icons Library"/>
+          <p:cNvPr id="85" name="Picture 20" descr="icheiro:Smartphone icon - Noun Project 283536.svg – Wikipédia, a  enci"/>
           <p:cNvPicPr>
             <a:picLocks noChangeAspect="1" noChangeArrowheads="1"/>
           </p:cNvPicPr>
           <p:nvPr/>
         </p:nvPicPr>
         <p:blipFill>
-          <a:blip r:embed="rId13" cstate="print">
+          <a:blip r:embed="rId26" cstate="print">
             <a:extLst>
               <a:ext uri="{28A0092B-C50C-407E-A947-70E740481C1C}">
                 <a14:useLocalDpi xmlns:a14="http://schemas.microsoft.com/office/drawing/2010/main" val="0"/>
@@ -3444,8 +4554,8 @@
         </p:blipFill>
         <p:spPr bwMode="auto">
           <a:xfrm>
-            <a:off x="4508199" y="1353925"/>
-            <a:ext cx="959812" cy="639874"/>
+            <a:off x="7421894" y="4784758"/>
+            <a:ext cx="1300209" cy="1300209"/>
           </a:xfrm>
           <a:prstGeom prst="rect">
             <a:avLst/>
@@ -3462,6 +4572,228 @@
           </a:extLst>
         </p:spPr>
       </p:pic>
+      <p:pic>
+        <p:nvPicPr>
+          <p:cNvPr id="86" name="Picture 72" descr="ownload free Android icon"/>
+          <p:cNvPicPr>
+            <a:picLocks noChangeAspect="1" noChangeArrowheads="1"/>
+          </p:cNvPicPr>
+          <p:nvPr/>
+        </p:nvPicPr>
+        <p:blipFill>
+          <a:blip r:embed="rId27" cstate="print">
+            <a:extLst>
+              <a:ext uri="{28A0092B-C50C-407E-A947-70E740481C1C}">
+                <a14:useLocalDpi xmlns:a14="http://schemas.microsoft.com/office/drawing/2010/main" val="0"/>
+              </a:ext>
+            </a:extLst>
+          </a:blip>
+          <a:srcRect/>
+          <a:stretch>
+            <a:fillRect/>
+          </a:stretch>
+        </p:blipFill>
+        <p:spPr bwMode="auto">
+          <a:xfrm>
+            <a:off x="7203097" y="5013715"/>
+            <a:ext cx="419034" cy="419034"/>
+          </a:xfrm>
+          <a:prstGeom prst="rect">
+            <a:avLst/>
+          </a:prstGeom>
+          <a:noFill/>
+          <a:extLst>
+            <a:ext uri="{909E8E84-426E-40DD-AFC4-6F175D3DCCD1}">
+              <a14:hiddenFill xmlns:a14="http://schemas.microsoft.com/office/drawing/2010/main">
+                <a:solidFill>
+                  <a:srgbClr val="FFFFFF"/>
+                </a:solidFill>
+              </a14:hiddenFill>
+            </a:ext>
+          </a:extLst>
+        </p:spPr>
+      </p:pic>
+      <p:pic>
+        <p:nvPicPr>
+          <p:cNvPr id="87" name="Picture 42" descr="pple icon"/>
+          <p:cNvPicPr>
+            <a:picLocks noChangeAspect="1" noChangeArrowheads="1"/>
+          </p:cNvPicPr>
+          <p:nvPr/>
+        </p:nvPicPr>
+        <p:blipFill>
+          <a:blip r:embed="rId28" cstate="print">
+            <a:extLst>
+              <a:ext uri="{28A0092B-C50C-407E-A947-70E740481C1C}">
+                <a14:useLocalDpi xmlns:a14="http://schemas.microsoft.com/office/drawing/2010/main" val="0"/>
+              </a:ext>
+            </a:extLst>
+          </a:blip>
+          <a:srcRect/>
+          <a:stretch>
+            <a:fillRect/>
+          </a:stretch>
+        </p:blipFill>
+        <p:spPr bwMode="auto">
+          <a:xfrm>
+            <a:off x="7219285" y="5512650"/>
+            <a:ext cx="402221" cy="402221"/>
+          </a:xfrm>
+          <a:prstGeom prst="rect">
+            <a:avLst/>
+          </a:prstGeom>
+          <a:noFill/>
+          <a:extLst>
+            <a:ext uri="{909E8E84-426E-40DD-AFC4-6F175D3DCCD1}">
+              <a14:hiddenFill xmlns:a14="http://schemas.microsoft.com/office/drawing/2010/main">
+                <a:solidFill>
+                  <a:srgbClr val="FFFFFF"/>
+                </a:solidFill>
+              </a14:hiddenFill>
+            </a:ext>
+          </a:extLst>
+        </p:spPr>
+      </p:pic>
+      <p:pic>
+        <p:nvPicPr>
+          <p:cNvPr id="89" name="Imagem 88"/>
+          <p:cNvPicPr>
+            <a:picLocks noChangeAspect="1"/>
+          </p:cNvPicPr>
+          <p:nvPr/>
+        </p:nvPicPr>
+        <p:blipFill>
+          <a:blip r:embed="rId29"/>
+          <a:stretch>
+            <a:fillRect/>
+          </a:stretch>
+        </p:blipFill>
+        <p:spPr>
+          <a:xfrm>
+            <a:off x="7844985" y="5130848"/>
+            <a:ext cx="466725" cy="428625"/>
+          </a:xfrm>
+          <a:prstGeom prst="rect">
+            <a:avLst/>
+          </a:prstGeom>
+        </p:spPr>
+      </p:pic>
+      <p:pic>
+        <p:nvPicPr>
+          <p:cNvPr id="90" name="Imagem 89"/>
+          <p:cNvPicPr>
+            <a:picLocks noChangeAspect="1"/>
+          </p:cNvPicPr>
+          <p:nvPr/>
+        </p:nvPicPr>
+        <p:blipFill>
+          <a:blip r:embed="rId30">
+            <a:extLst>
+              <a:ext uri="{BEBA8EAE-BF5A-486C-A8C5-ECC9F3942E4B}">
+                <a14:imgProps xmlns:a14="http://schemas.microsoft.com/office/drawing/2010/main">
+                  <a14:imgLayer r:embed="rId31">
+                    <a14:imgEffect>
+                      <a14:backgroundRemoval t="9524" b="100000" l="498" r="100000">
+                        <a14:foregroundMark x1="25373" y1="71429" x2="25373" y2="71429"/>
+                        <a14:foregroundMark x1="36816" y1="53968" x2="36816" y2="53968"/>
+                        <a14:foregroundMark x1="54726" y1="57143" x2="54726" y2="57143"/>
+                        <a14:foregroundMark x1="65672" y1="53968" x2="65672" y2="53968"/>
+                        <a14:foregroundMark x1="73134" y1="50794" x2="73134" y2="50794"/>
+                        <a14:foregroundMark x1="78607" y1="50794" x2="78607" y2="50794"/>
+                        <a14:foregroundMark x1="85572" y1="50794" x2="85572" y2="50794"/>
+                      </a14:backgroundRemoval>
+                    </a14:imgEffect>
+                  </a14:imgLayer>
+                </a14:imgProps>
+              </a:ext>
+            </a:extLst>
+          </a:blip>
+          <a:stretch>
+            <a:fillRect/>
+          </a:stretch>
+        </p:blipFill>
+        <p:spPr>
+          <a:xfrm>
+            <a:off x="7800447" y="5538849"/>
+            <a:ext cx="559324" cy="175310"/>
+          </a:xfrm>
+          <a:prstGeom prst="rect">
+            <a:avLst/>
+          </a:prstGeom>
+        </p:spPr>
+      </p:pic>
+      <p:pic>
+        <p:nvPicPr>
+          <p:cNvPr id="91" name="Imagem 90">
+            <a:extLst>
+              <a:ext uri="{FF2B5EF4-FFF2-40B4-BE49-F238E27FC236}">
+                <a16:creationId xmlns:a16="http://schemas.microsoft.com/office/drawing/2014/main" id="{287A17ED-E4C7-437A-8A3B-A21A458D1BB1}"/>
+              </a:ext>
+            </a:extLst>
+          </p:cNvPr>
+          <p:cNvPicPr>
+            <a:picLocks noChangeAspect="1"/>
+          </p:cNvPicPr>
+          <p:nvPr/>
+        </p:nvPicPr>
+        <p:blipFill>
+          <a:blip r:embed="rId32" cstate="print">
+            <a:extLst>
+              <a:ext uri="{28A0092B-C50C-407E-A947-70E740481C1C}">
+                <a14:useLocalDpi xmlns:a14="http://schemas.microsoft.com/office/drawing/2010/main" val="0"/>
+              </a:ext>
+            </a:extLst>
+          </a:blip>
+          <a:stretch>
+            <a:fillRect/>
+          </a:stretch>
+        </p:blipFill>
+        <p:spPr>
+          <a:xfrm>
+            <a:off x="4353314" y="2875467"/>
+            <a:ext cx="284115" cy="284115"/>
+          </a:xfrm>
+          <a:prstGeom prst="rect">
+            <a:avLst/>
+          </a:prstGeom>
+        </p:spPr>
+      </p:pic>
+      <p:pic>
+        <p:nvPicPr>
+          <p:cNvPr id="92" name="Imagem 91">
+            <a:extLst>
+              <a:ext uri="{FF2B5EF4-FFF2-40B4-BE49-F238E27FC236}">
+                <a16:creationId xmlns:a16="http://schemas.microsoft.com/office/drawing/2014/main" id="{287A17ED-E4C7-437A-8A3B-A21A458D1BB1}"/>
+              </a:ext>
+            </a:extLst>
+          </p:cNvPr>
+          <p:cNvPicPr>
+            <a:picLocks noChangeAspect="1"/>
+          </p:cNvPicPr>
+          <p:nvPr/>
+        </p:nvPicPr>
+        <p:blipFill>
+          <a:blip r:embed="rId32" cstate="print">
+            <a:extLst>
+              <a:ext uri="{28A0092B-C50C-407E-A947-70E740481C1C}">
+                <a14:useLocalDpi xmlns:a14="http://schemas.microsoft.com/office/drawing/2010/main" val="0"/>
+              </a:ext>
+            </a:extLst>
+          </a:blip>
+          <a:stretch>
+            <a:fillRect/>
+          </a:stretch>
+        </p:blipFill>
+        <p:spPr>
+          <a:xfrm>
+            <a:off x="6908537" y="2898592"/>
+            <a:ext cx="284115" cy="284115"/>
+          </a:xfrm>
+          <a:prstGeom prst="rect">
+            <a:avLst/>
+          </a:prstGeom>
+        </p:spPr>
+      </p:pic>
     </p:spTree>
     <p:extLst>
       <p:ext uri="{BB962C8B-B14F-4D97-AF65-F5344CB8AC3E}">
@@ -3472,6 +4804,142 @@
   <p:clrMapOvr>
     <a:masterClrMapping/>
   </p:clrMapOvr>
+  <p:timing>
+    <p:tnLst>
+      <p:par>
+        <p:cTn id="1" dur="indefinite" restart="never" nodeType="tmRoot"/>
+      </p:par>
+    </p:tnLst>
+  </p:timing>
+</p:sld>
+</file>
+
+<file path=ppt/slides/slide2.xml><?xml version="1.0" encoding="utf-8"?>
+<p:sld xmlns:a="http://schemas.openxmlformats.org/drawingml/2006/main" xmlns:r="http://schemas.openxmlformats.org/officeDocument/2006/relationships" xmlns:p="http://schemas.openxmlformats.org/presentationml/2006/main">
+  <p:cSld>
+    <p:spTree>
+      <p:nvGrpSpPr>
+        <p:cNvPr id="1" name=""/>
+        <p:cNvGrpSpPr/>
+        <p:nvPr/>
+      </p:nvGrpSpPr>
+      <p:grpSpPr>
+        <a:xfrm>
+          <a:off x="0" y="0"/>
+          <a:ext cx="0" cy="0"/>
+          <a:chOff x="0" y="0"/>
+          <a:chExt cx="0" cy="0"/>
+        </a:xfrm>
+      </p:grpSpPr>
+      <p:pic>
+        <p:nvPicPr>
+          <p:cNvPr id="4" name="Imagem 3"/>
+          <p:cNvPicPr>
+            <a:picLocks noChangeAspect="1"/>
+          </p:cNvPicPr>
+          <p:nvPr/>
+        </p:nvPicPr>
+        <p:blipFill>
+          <a:blip r:embed="rId2">
+            <a:extLst>
+              <a:ext uri="{BEBA8EAE-BF5A-486C-A8C5-ECC9F3942E4B}">
+                <a14:imgProps xmlns:a14="http://schemas.microsoft.com/office/drawing/2010/main">
+                  <a14:imgLayer r:embed="rId3">
+                    <a14:imgEffect>
+                      <a14:backgroundRemoval t="9907" b="89783" l="9949" r="97959">
+                        <a14:foregroundMark x1="39541" y1="21053" x2="39541" y2="21053"/>
+                        <a14:foregroundMark x1="39541" y1="20433" x2="39541" y2="20433"/>
+                        <a14:foregroundMark x1="39541" y1="20433" x2="39541" y2="20433"/>
+                        <a14:foregroundMark x1="39541" y1="20433" x2="39541" y2="20433"/>
+                      </a14:backgroundRemoval>
+                    </a14:imgEffect>
+                  </a14:imgLayer>
+                </a14:imgProps>
+              </a:ext>
+            </a:extLst>
+          </a:blip>
+          <a:stretch>
+            <a:fillRect/>
+          </a:stretch>
+        </p:blipFill>
+        <p:spPr>
+          <a:xfrm>
+            <a:off x="444136" y="261257"/>
+            <a:ext cx="5413831" cy="3722915"/>
+          </a:xfrm>
+          <a:prstGeom prst="rect">
+            <a:avLst/>
+          </a:prstGeom>
+        </p:spPr>
+      </p:pic>
+      <p:pic>
+        <p:nvPicPr>
+          <p:cNvPr id="7" name="Imagem 6"/>
+          <p:cNvPicPr>
+            <a:picLocks noChangeAspect="1"/>
+          </p:cNvPicPr>
+          <p:nvPr/>
+        </p:nvPicPr>
+        <p:blipFill>
+          <a:blip r:embed="rId4">
+            <a:extLst>
+              <a:ext uri="{BEBA8EAE-BF5A-486C-A8C5-ECC9F3942E4B}">
+                <a14:imgProps xmlns:a14="http://schemas.microsoft.com/office/drawing/2010/main">
+                  <a14:imgLayer r:embed="rId5">
+                    <a14:imgEffect>
+                      <a14:backgroundRemoval t="10000" b="90000" l="10000" r="90000">
+                        <a14:foregroundMark x1="38261" y1="65068" x2="38261" y2="65068"/>
+                        <a14:foregroundMark x1="45217" y1="65068" x2="45217" y2="65068"/>
+                        <a14:foregroundMark x1="49855" y1="65068" x2="49855" y2="65068"/>
+                        <a14:foregroundMark x1="53043" y1="58904" x2="53043" y2="58904"/>
+                        <a14:foregroundMark x1="53623" y1="68493" x2="53623" y2="68493"/>
+                        <a14:foregroundMark x1="59130" y1="67123" x2="59130" y2="67123"/>
+                        <a14:foregroundMark x1="64638" y1="65068" x2="64638" y2="65068"/>
+                        <a14:foregroundMark x1="57391" y1="34932" x2="57391" y2="34932"/>
+                        <a14:foregroundMark x1="54493" y1="36301" x2="54493" y2="36301"/>
+                        <a14:foregroundMark x1="55072" y1="34932" x2="55072" y2="34932"/>
+                        <a14:foregroundMark x1="55362" y1="32877" x2="55362" y2="32877"/>
+                      </a14:backgroundRemoval>
+                    </a14:imgEffect>
+                  </a14:imgLayer>
+                </a14:imgProps>
+              </a:ext>
+              <a:ext uri="{28A0092B-C50C-407E-A947-70E740481C1C}">
+                <a14:useLocalDpi xmlns:a14="http://schemas.microsoft.com/office/drawing/2010/main" val="0"/>
+              </a:ext>
+            </a:extLst>
+          </a:blip>
+          <a:stretch>
+            <a:fillRect/>
+          </a:stretch>
+        </p:blipFill>
+        <p:spPr>
+          <a:xfrm>
+            <a:off x="4214904" y="3098347"/>
+            <a:ext cx="3286125" cy="1390650"/>
+          </a:xfrm>
+          <a:prstGeom prst="rect">
+            <a:avLst/>
+          </a:prstGeom>
+        </p:spPr>
+      </p:pic>
+    </p:spTree>
+    <p:extLst>
+      <p:ext uri="{BB962C8B-B14F-4D97-AF65-F5344CB8AC3E}">
+        <p14:creationId xmlns:p14="http://schemas.microsoft.com/office/powerpoint/2010/main" val="2007077318"/>
+      </p:ext>
+    </p:extLst>
+  </p:cSld>
+  <p:clrMapOvr>
+    <a:masterClrMapping/>
+  </p:clrMapOvr>
+  <p:timing>
+    <p:tnLst>
+      <p:par>
+        <p:cTn id="1" dur="indefinite" restart="never" nodeType="tmRoot"/>
+      </p:par>
+    </p:tnLst>
+  </p:timing>
 </p:sld>
 </file>
 
